--- a/ppt/5.Sophisticated data structures.pptx
+++ b/ppt/5.Sophisticated data structures.pptx
@@ -264,7 +264,7 @@
           <a:p>
             <a:fld id="{04194205-4AC6-4F4F-98FC-799961764A52}" type="datetimeFigureOut">
               <a:rPr lang="ko-KR" altLang="en-US" smtClean="0"/>
-              <a:t>2016-04-03</a:t>
+              <a:t>2017-06-06</a:t>
             </a:fld>
             <a:endParaRPr lang="ko-KR" altLang="en-US"/>
           </a:p>
@@ -434,7 +434,7 @@
           <a:p>
             <a:fld id="{04194205-4AC6-4F4F-98FC-799961764A52}" type="datetimeFigureOut">
               <a:rPr lang="ko-KR" altLang="en-US" smtClean="0"/>
-              <a:t>2016-04-03</a:t>
+              <a:t>2017-06-06</a:t>
             </a:fld>
             <a:endParaRPr lang="ko-KR" altLang="en-US"/>
           </a:p>
@@ -614,7 +614,7 @@
           <a:p>
             <a:fld id="{04194205-4AC6-4F4F-98FC-799961764A52}" type="datetimeFigureOut">
               <a:rPr lang="ko-KR" altLang="en-US" smtClean="0"/>
-              <a:t>2016-04-03</a:t>
+              <a:t>2017-06-06</a:t>
             </a:fld>
             <a:endParaRPr lang="ko-KR" altLang="en-US"/>
           </a:p>
@@ -784,7 +784,7 @@
           <a:p>
             <a:fld id="{04194205-4AC6-4F4F-98FC-799961764A52}" type="datetimeFigureOut">
               <a:rPr lang="ko-KR" altLang="en-US" smtClean="0"/>
-              <a:t>2016-04-03</a:t>
+              <a:t>2017-06-06</a:t>
             </a:fld>
             <a:endParaRPr lang="ko-KR" altLang="en-US"/>
           </a:p>
@@ -1030,7 +1030,7 @@
           <a:p>
             <a:fld id="{04194205-4AC6-4F4F-98FC-799961764A52}" type="datetimeFigureOut">
               <a:rPr lang="ko-KR" altLang="en-US" smtClean="0"/>
-              <a:t>2016-04-03</a:t>
+              <a:t>2017-06-06</a:t>
             </a:fld>
             <a:endParaRPr lang="ko-KR" altLang="en-US"/>
           </a:p>
@@ -1262,7 +1262,7 @@
           <a:p>
             <a:fld id="{04194205-4AC6-4F4F-98FC-799961764A52}" type="datetimeFigureOut">
               <a:rPr lang="ko-KR" altLang="en-US" smtClean="0"/>
-              <a:t>2016-04-03</a:t>
+              <a:t>2017-06-06</a:t>
             </a:fld>
             <a:endParaRPr lang="ko-KR" altLang="en-US"/>
           </a:p>
@@ -1629,7 +1629,7 @@
           <a:p>
             <a:fld id="{04194205-4AC6-4F4F-98FC-799961764A52}" type="datetimeFigureOut">
               <a:rPr lang="ko-KR" altLang="en-US" smtClean="0"/>
-              <a:t>2016-04-03</a:t>
+              <a:t>2017-06-06</a:t>
             </a:fld>
             <a:endParaRPr lang="ko-KR" altLang="en-US"/>
           </a:p>
@@ -1747,7 +1747,7 @@
           <a:p>
             <a:fld id="{04194205-4AC6-4F4F-98FC-799961764A52}" type="datetimeFigureOut">
               <a:rPr lang="ko-KR" altLang="en-US" smtClean="0"/>
-              <a:t>2016-04-03</a:t>
+              <a:t>2017-06-06</a:t>
             </a:fld>
             <a:endParaRPr lang="ko-KR" altLang="en-US"/>
           </a:p>
@@ -1842,7 +1842,7 @@
           <a:p>
             <a:fld id="{04194205-4AC6-4F4F-98FC-799961764A52}" type="datetimeFigureOut">
               <a:rPr lang="ko-KR" altLang="en-US" smtClean="0"/>
-              <a:t>2016-04-03</a:t>
+              <a:t>2017-06-06</a:t>
             </a:fld>
             <a:endParaRPr lang="ko-KR" altLang="en-US"/>
           </a:p>
@@ -2119,7 +2119,7 @@
           <a:p>
             <a:fld id="{04194205-4AC6-4F4F-98FC-799961764A52}" type="datetimeFigureOut">
               <a:rPr lang="ko-KR" altLang="en-US" smtClean="0"/>
-              <a:t>2016-04-03</a:t>
+              <a:t>2017-06-06</a:t>
             </a:fld>
             <a:endParaRPr lang="ko-KR" altLang="en-US"/>
           </a:p>
@@ -2372,7 +2372,7 @@
           <a:p>
             <a:fld id="{04194205-4AC6-4F4F-98FC-799961764A52}" type="datetimeFigureOut">
               <a:rPr lang="ko-KR" altLang="en-US" smtClean="0"/>
-              <a:t>2016-04-03</a:t>
+              <a:t>2017-06-06</a:t>
             </a:fld>
             <a:endParaRPr lang="ko-KR" altLang="en-US"/>
           </a:p>
@@ -2585,7 +2585,7 @@
           <a:p>
             <a:fld id="{04194205-4AC6-4F4F-98FC-799961764A52}" type="datetimeFigureOut">
               <a:rPr lang="ko-KR" altLang="en-US" smtClean="0"/>
-              <a:t>2016-04-03</a:t>
+              <a:t>2017-06-06</a:t>
             </a:fld>
             <a:endParaRPr lang="ko-KR" altLang="en-US"/>
           </a:p>
@@ -3112,7 +3112,11 @@
           <a:p>
             <a:r>
               <a:rPr lang="en-US" altLang="ko-KR" dirty="0" smtClean="0"/>
-              <a:t>Selectin a column using [[?]] preserves the mode of the object that is being extracted.</a:t>
+              <a:t>Selecting </a:t>
+            </a:r>
+            <a:r>
+              <a:rPr lang="en-US" altLang="ko-KR" dirty="0" smtClean="0"/>
+              <a:t>a column using [[?]] preserves the mode of the object that is being extracted.</a:t>
             </a:r>
           </a:p>
           <a:p>
@@ -3853,7 +3857,19 @@
           <a:p>
             <a:r>
               <a:rPr lang="en-US" altLang="ko-KR" dirty="0" smtClean="0"/>
-              <a:t>subset is a convenient tool for selectin rows of </a:t>
+              <a:t>subset is a convenient tool </a:t>
+            </a:r>
+            <a:r>
+              <a:rPr lang="en-US" altLang="ko-KR" smtClean="0"/>
+              <a:t>for </a:t>
+            </a:r>
+            <a:r>
+              <a:rPr lang="en-US" altLang="ko-KR" smtClean="0"/>
+              <a:t>selecting </a:t>
+            </a:r>
+            <a:r>
+              <a:rPr lang="en-US" altLang="ko-KR" dirty="0" smtClean="0"/>
+              <a:t>rows of </a:t>
             </a:r>
             <a:r>
               <a:rPr lang="en-US" altLang="ko-KR" dirty="0" err="1" smtClean="0"/>
@@ -4400,19 +4416,7 @@
               <a:rPr lang="en-US" altLang="ko-KR" spc="-150" dirty="0" smtClean="0">
                 <a:cs typeface="Consolas" panose="020B0609020204030204" pitchFamily="49" charset="0"/>
               </a:rPr>
-              <a:t>command, with comma </a:t>
-            </a:r>
-            <a:r>
-              <a:rPr lang="en-US" altLang="ko-KR" spc="-150" dirty="0" smtClean="0">
-                <a:cs typeface="Consolas" panose="020B0609020204030204" pitchFamily="49" charset="0"/>
-              </a:rPr>
-              <a:t>separated </a:t>
-            </a:r>
-            <a:r>
-              <a:rPr lang="en-US" altLang="ko-KR" spc="-150" dirty="0" smtClean="0">
-                <a:cs typeface="Consolas" panose="020B0609020204030204" pitchFamily="49" charset="0"/>
-              </a:rPr>
-              <a:t>arguments.</a:t>
+              <a:t>command, with comma separated arguments.</a:t>
             </a:r>
           </a:p>
           <a:p>
@@ -5380,11 +5384,7 @@
             </a:r>
             <a:r>
               <a:rPr lang="en-US" altLang="ko-KR" i="1" dirty="0" smtClean="0"/>
-              <a:t>, </a:t>
-            </a:r>
-            <a:r>
-              <a:rPr lang="en-US" altLang="ko-KR" i="1" dirty="0" smtClean="0"/>
-              <a:t>data=</a:t>
+              <a:t>, data=</a:t>
             </a:r>
             <a:r>
               <a:rPr lang="en-US" altLang="ko-KR" i="1" dirty="0" err="1" smtClean="0"/>
@@ -5392,11 +5392,7 @@
             </a:r>
             <a:r>
               <a:rPr lang="en-US" altLang="ko-KR" i="1" dirty="0" smtClean="0"/>
-              <a:t>(x=1:5</a:t>
-            </a:r>
-            <a:r>
-              <a:rPr lang="en-US" altLang="ko-KR" i="1" dirty="0" smtClean="0"/>
-              <a:t>, y=1:5))</a:t>
+              <a:t>(x=1:5, y=1:5))</a:t>
             </a:r>
           </a:p>
           <a:p>
@@ -7977,15 +7973,7 @@
           <a:p>
             <a:r>
               <a:rPr lang="en-US" altLang="ko-KR" dirty="0" smtClean="0"/>
-              <a:t>If there is no </a:t>
-            </a:r>
-            <a:r>
-              <a:rPr lang="en-US" altLang="ko-KR" dirty="0" smtClean="0"/>
-              <a:t>head </a:t>
-            </a:r>
-            <a:r>
-              <a:rPr lang="en-US" altLang="ko-KR" dirty="0" smtClean="0"/>
-              <a:t>and no </a:t>
+              <a:t>If there is no head and no </a:t>
             </a:r>
             <a:r>
               <a:rPr lang="en-US" altLang="ko-KR" spc="-150" dirty="0" err="1">
@@ -8247,7 +8235,7 @@
             </a:r>
             <a:r>
               <a:rPr lang="en-US" altLang="ko-KR" i="1" dirty="0" err="1" smtClean="0"/>
-              <a:t>ufc$heigth.m</a:t>
+              <a:t>ufc$height.m</a:t>
             </a:r>
             <a:endParaRPr lang="en-US" altLang="ko-KR" i="1" dirty="0" smtClean="0"/>
           </a:p>
@@ -8393,14 +8381,7 @@
                 <a:latin typeface="Consolas" panose="020B0609020204030204" pitchFamily="49" charset="0"/>
                 <a:cs typeface="Consolas" panose="020B0609020204030204" pitchFamily="49" charset="0"/>
               </a:rPr>
-              <a:t>[[5</a:t>
-            </a:r>
-            <a:r>
-              <a:rPr lang="en-US" altLang="ko-KR" spc="-150" dirty="0" smtClean="0">
-                <a:latin typeface="Consolas" panose="020B0609020204030204" pitchFamily="49" charset="0"/>
-                <a:cs typeface="Consolas" panose="020B0609020204030204" pitchFamily="49" charset="0"/>
-              </a:rPr>
-              <a:t>]] </a:t>
+              <a:t>[[5]] </a:t>
             </a:r>
             <a:r>
               <a:rPr lang="en-US" altLang="ko-KR" spc="-150" dirty="0" smtClean="0"/>
